--- a/presentations/slides-117-BRSKI-AE.pptx
+++ b/presentations/slides-117-BRSKI-AE.pptx
@@ -3924,29 +3924,7 @@
                 <a:ea typeface="DejaVu Sans"/>
                 <a:cs typeface="Calibri"/>
               </a:rPr>
-              <a:t>Change URL of BRSKI-AE-overview graphics: </a:t>
-            </a:r>
-            <a:r>
-              <a:rPr lang="en-US" sz="2100" spc="-1" dirty="0" err="1">
-                <a:solidFill>
-                  <a:srgbClr val="000000"/>
-                </a:solidFill>
-                <a:latin typeface="Calibri"/>
-                <a:ea typeface="DejaVu Sans"/>
-                <a:cs typeface="Calibri"/>
-              </a:rPr>
-              <a:t>refert</a:t>
-            </a:r>
-            <a:r>
-              <a:rPr lang="en-US" sz="2100" spc="-1" dirty="0">
-                <a:solidFill>
-                  <a:srgbClr val="000000"/>
-                </a:solidFill>
-                <a:latin typeface="Calibri"/>
-                <a:ea typeface="DejaVu Sans"/>
-                <a:cs typeface="Calibri"/>
-              </a:rPr>
-              <a:t> to slide on IETF 116 meeting material</a:t>
+              <a:t>Change URL of BRSKI-AE-overview graphics: refer to slide on IETF 116 meeting material</a:t>
             </a:r>
             <a:endParaRPr lang="en-US" sz="2200" b="0" strike="noStrike" spc="-1" dirty="0">
               <a:latin typeface="Calibri" panose="020F0502020204030204" pitchFamily="34" charset="0"/>
@@ -9530,6 +9508,28 @@
 </file>
 
 <file path=customXml/item1.xml><?xml version="1.0" encoding="utf-8"?>
+<p:properties xmlns:p="http://schemas.microsoft.com/office/2006/metadata/properties" xmlns:xsi="http://www.w3.org/2001/XMLSchema-instance" xmlns:pc="http://schemas.microsoft.com/office/infopath/2007/PartnerControls">
+  <documentManagement>
+    <_ip_UnifiedCompliancePolicyUIAction xmlns="http://schemas.microsoft.com/sharepoint/v3" xsi:nil="true"/>
+    <TaxCatchAll xmlns="56810815-8df0-4f10-8da7-34164765fbe3" xsi:nil="true"/>
+    <_ip_UnifiedCompliancePolicyProperties xmlns="http://schemas.microsoft.com/sharepoint/v3" xsi:nil="true"/>
+    <lcf76f155ced4ddcb4097134ff3c332f xmlns="a9de424c-86b2-47ed-8d4e-0a9b7010e669">
+      <Terms xmlns="http://schemas.microsoft.com/office/infopath/2007/PartnerControls"/>
+    </lcf76f155ced4ddcb4097134ff3c332f>
+  </documentManagement>
+</p:properties>
+</file>
+
+<file path=customXml/item2.xml><?xml version="1.0" encoding="utf-8"?>
+<?mso-contentType ?>
+<FormTemplates xmlns="http://schemas.microsoft.com/sharepoint/v3/contenttype/forms">
+  <Display>DocumentLibraryForm</Display>
+  <Edit>DocumentLibraryForm</Edit>
+  <New>DocumentLibraryForm</New>
+</FormTemplates>
+</file>
+
+<file path=customXml/item3.xml><?xml version="1.0" encoding="utf-8"?>
 <ct:contentTypeSchema xmlns:ct="http://schemas.microsoft.com/office/2006/metadata/contentType" xmlns:ma="http://schemas.microsoft.com/office/2006/metadata/properties/metaAttributes" ct:_="" ma:_="" ma:contentTypeName="Document" ma:contentTypeID="0x01010035CD6C532085F8449DFAA9E5E2A73509" ma:contentTypeVersion="20" ma:contentTypeDescription="Create a new document." ma:contentTypeScope="" ma:versionID="c8bdef1fc4896ae71e847eb90f6c3082">
   <xsd:schema xmlns:xsd="http://www.w3.org/2001/XMLSchema" xmlns:xs="http://www.w3.org/2001/XMLSchema" xmlns:p="http://schemas.microsoft.com/office/2006/metadata/properties" xmlns:ns1="http://schemas.microsoft.com/sharepoint/v3" xmlns:ns2="ce079751-a51b-4a27-9376-edf93eae18d5" xmlns:ns3="a9de424c-86b2-47ed-8d4e-0a9b7010e669" xmlns:ns4="56810815-8df0-4f10-8da7-34164765fbe3" targetNamespace="http://schemas.microsoft.com/office/2006/metadata/properties" ma:root="true" ma:fieldsID="3fdf977c7d89e1bf9cca898b31dbd6fd" ns1:_="" ns2:_="" ns3:_="" ns4:_="">
     <xsd:import namespace="http://schemas.microsoft.com/sharepoint/v3"/>
@@ -9794,29 +9794,34 @@
 </ct:contentTypeSchema>
 </file>
 
-<file path=customXml/item2.xml><?xml version="1.0" encoding="utf-8"?>
-<?mso-contentType ?>
-<FormTemplates xmlns="http://schemas.microsoft.com/sharepoint/v3/contenttype/forms">
-  <Display>DocumentLibraryForm</Display>
-  <Edit>DocumentLibraryForm</Edit>
-  <New>DocumentLibraryForm</New>
-</FormTemplates>
+<file path=customXml/itemProps1.xml><?xml version="1.0" encoding="utf-8"?>
+<ds:datastoreItem xmlns:ds="http://schemas.openxmlformats.org/officeDocument/2006/customXml" ds:itemID="{C176CB81-6753-41D9-B160-D542CFFB89BA}">
+  <ds:schemaRefs>
+    <ds:schemaRef ds:uri="a9de424c-86b2-47ed-8d4e-0a9b7010e669"/>
+    <ds:schemaRef ds:uri="ce079751-a51b-4a27-9376-edf93eae18d5"/>
+    <ds:schemaRef ds:uri="http://purl.org/dc/terms/"/>
+    <ds:schemaRef ds:uri="http://schemas.microsoft.com/office/2006/documentManagement/types"/>
+    <ds:schemaRef ds:uri="http://schemas.microsoft.com/office/infopath/2007/PartnerControls"/>
+    <ds:schemaRef ds:uri="http://schemas.openxmlformats.org/package/2006/metadata/core-properties"/>
+    <ds:schemaRef ds:uri="http://purl.org/dc/elements/1.1/"/>
+    <ds:schemaRef ds:uri="http://schemas.microsoft.com/office/2006/metadata/properties"/>
+    <ds:schemaRef ds:uri="http://schemas.microsoft.com/sharepoint/v3"/>
+    <ds:schemaRef ds:uri="56810815-8df0-4f10-8da7-34164765fbe3"/>
+    <ds:schemaRef ds:uri="http://www.w3.org/XML/1998/namespace"/>
+    <ds:schemaRef ds:uri="http://purl.org/dc/dcmitype/"/>
+  </ds:schemaRefs>
+</ds:datastoreItem>
 </file>
 
-<file path=customXml/item3.xml><?xml version="1.0" encoding="utf-8"?>
-<p:properties xmlns:p="http://schemas.microsoft.com/office/2006/metadata/properties" xmlns:xsi="http://www.w3.org/2001/XMLSchema-instance" xmlns:pc="http://schemas.microsoft.com/office/infopath/2007/PartnerControls">
-  <documentManagement>
-    <_ip_UnifiedCompliancePolicyUIAction xmlns="http://schemas.microsoft.com/sharepoint/v3" xsi:nil="true"/>
-    <TaxCatchAll xmlns="56810815-8df0-4f10-8da7-34164765fbe3" xsi:nil="true"/>
-    <_ip_UnifiedCompliancePolicyProperties xmlns="http://schemas.microsoft.com/sharepoint/v3" xsi:nil="true"/>
-    <lcf76f155ced4ddcb4097134ff3c332f xmlns="a9de424c-86b2-47ed-8d4e-0a9b7010e669">
-      <Terms xmlns="http://schemas.microsoft.com/office/infopath/2007/PartnerControls"/>
-    </lcf76f155ced4ddcb4097134ff3c332f>
-  </documentManagement>
-</p:properties>
+<file path=customXml/itemProps2.xml><?xml version="1.0" encoding="utf-8"?>
+<ds:datastoreItem xmlns:ds="http://schemas.openxmlformats.org/officeDocument/2006/customXml" ds:itemID="{5C6BD9E7-C020-4AD1-A7ED-9C09B3AA4FEA}">
+  <ds:schemaRefs>
+    <ds:schemaRef ds:uri="http://schemas.microsoft.com/sharepoint/v3/contenttype/forms"/>
+  </ds:schemaRefs>
+</ds:datastoreItem>
 </file>
 
-<file path=customXml/itemProps1.xml><?xml version="1.0" encoding="utf-8"?>
+<file path=customXml/itemProps3.xml><?xml version="1.0" encoding="utf-8"?>
 <ds:datastoreItem xmlns:ds="http://schemas.openxmlformats.org/officeDocument/2006/customXml" ds:itemID="{E037FCD1-B3DE-4EDE-B6BD-6CF808058DC1}">
   <ds:schemaRefs>
     <ds:schemaRef ds:uri="56810815-8df0-4f10-8da7-34164765fbe3"/>
@@ -9835,31 +9840,4 @@
     <ds:schemaRef ds:uri="http://www.w3.org/2001/XMLSchema"/>
   </ds:schemaRefs>
 </ds:datastoreItem>
-</file>
-
-<file path=customXml/itemProps2.xml><?xml version="1.0" encoding="utf-8"?>
-<ds:datastoreItem xmlns:ds="http://schemas.openxmlformats.org/officeDocument/2006/customXml" ds:itemID="{5C6BD9E7-C020-4AD1-A7ED-9C09B3AA4FEA}">
-  <ds:schemaRefs>
-    <ds:schemaRef ds:uri="http://schemas.microsoft.com/sharepoint/v3/contenttype/forms"/>
-  </ds:schemaRefs>
-</ds:datastoreItem>
-</file>
-
-<file path=customXml/itemProps3.xml><?xml version="1.0" encoding="utf-8"?>
-<ds:datastoreItem xmlns:ds="http://schemas.openxmlformats.org/officeDocument/2006/customXml" ds:itemID="{C176CB81-6753-41D9-B160-D542CFFB89BA}">
-  <ds:schemaRefs>
-    <ds:schemaRef ds:uri="a9de424c-86b2-47ed-8d4e-0a9b7010e669"/>
-    <ds:schemaRef ds:uri="ce079751-a51b-4a27-9376-edf93eae18d5"/>
-    <ds:schemaRef ds:uri="http://purl.org/dc/terms/"/>
-    <ds:schemaRef ds:uri="http://schemas.microsoft.com/office/2006/documentManagement/types"/>
-    <ds:schemaRef ds:uri="http://schemas.microsoft.com/office/infopath/2007/PartnerControls"/>
-    <ds:schemaRef ds:uri="http://schemas.openxmlformats.org/package/2006/metadata/core-properties"/>
-    <ds:schemaRef ds:uri="http://purl.org/dc/elements/1.1/"/>
-    <ds:schemaRef ds:uri="http://schemas.microsoft.com/office/2006/metadata/properties"/>
-    <ds:schemaRef ds:uri="http://schemas.microsoft.com/sharepoint/v3"/>
-    <ds:schemaRef ds:uri="56810815-8df0-4f10-8da7-34164765fbe3"/>
-    <ds:schemaRef ds:uri="http://www.w3.org/XML/1998/namespace"/>
-    <ds:schemaRef ds:uri="http://purl.org/dc/dcmitype/"/>
-  </ds:schemaRefs>
-</ds:datastoreItem>
 </file>